--- a/第2遍/树/树的序列化和逆序列化.pptx
+++ b/第2遍/树/树的序列化和逆序列化.pptx
@@ -6,6 +6,7 @@
   </p:sldMasterIdLst>
   <p:sldIdLst>
     <p:sldId id="256" r:id="rId2"/>
+    <p:sldId id="257" r:id="rId3"/>
   </p:sldIdLst>
   <p:sldSz cx="9144000" cy="6858000" type="screen4x3"/>
   <p:notesSz cx="6858000" cy="9144000"/>
@@ -289,7 +290,7 @@
             <a:fld id="{530820CF-B880-4189-942D-D702A7CBA730}" type="datetimeFigureOut">
               <a:rPr lang="zh-CN" altLang="en-US" smtClean="0"/>
               <a:pPr/>
-              <a:t>2020/7/22</a:t>
+              <a:t>2020/7/27</a:t>
             </a:fld>
             <a:endParaRPr lang="zh-CN" altLang="en-US"/>
           </a:p>
@@ -456,7 +457,7 @@
             <a:fld id="{530820CF-B880-4189-942D-D702A7CBA730}" type="datetimeFigureOut">
               <a:rPr lang="zh-CN" altLang="en-US" smtClean="0"/>
               <a:pPr/>
-              <a:t>2020/7/22</a:t>
+              <a:t>2020/7/27</a:t>
             </a:fld>
             <a:endParaRPr lang="zh-CN" altLang="en-US"/>
           </a:p>
@@ -633,7 +634,7 @@
             <a:fld id="{530820CF-B880-4189-942D-D702A7CBA730}" type="datetimeFigureOut">
               <a:rPr lang="zh-CN" altLang="en-US" smtClean="0"/>
               <a:pPr/>
-              <a:t>2020/7/22</a:t>
+              <a:t>2020/7/27</a:t>
             </a:fld>
             <a:endParaRPr lang="zh-CN" altLang="en-US"/>
           </a:p>
@@ -800,7 +801,7 @@
             <a:fld id="{530820CF-B880-4189-942D-D702A7CBA730}" type="datetimeFigureOut">
               <a:rPr lang="zh-CN" altLang="en-US" smtClean="0"/>
               <a:pPr/>
-              <a:t>2020/7/22</a:t>
+              <a:t>2020/7/27</a:t>
             </a:fld>
             <a:endParaRPr lang="zh-CN" altLang="en-US"/>
           </a:p>
@@ -1043,7 +1044,7 @@
             <a:fld id="{530820CF-B880-4189-942D-D702A7CBA730}" type="datetimeFigureOut">
               <a:rPr lang="zh-CN" altLang="en-US" smtClean="0"/>
               <a:pPr/>
-              <a:t>2020/7/22</a:t>
+              <a:t>2020/7/27</a:t>
             </a:fld>
             <a:endParaRPr lang="zh-CN" altLang="en-US"/>
           </a:p>
@@ -1328,7 +1329,7 @@
             <a:fld id="{530820CF-B880-4189-942D-D702A7CBA730}" type="datetimeFigureOut">
               <a:rPr lang="zh-CN" altLang="en-US" smtClean="0"/>
               <a:pPr/>
-              <a:t>2020/7/22</a:t>
+              <a:t>2020/7/27</a:t>
             </a:fld>
             <a:endParaRPr lang="zh-CN" altLang="en-US"/>
           </a:p>
@@ -1747,7 +1748,7 @@
             <a:fld id="{530820CF-B880-4189-942D-D702A7CBA730}" type="datetimeFigureOut">
               <a:rPr lang="zh-CN" altLang="en-US" smtClean="0"/>
               <a:pPr/>
-              <a:t>2020/7/22</a:t>
+              <a:t>2020/7/27</a:t>
             </a:fld>
             <a:endParaRPr lang="zh-CN" altLang="en-US"/>
           </a:p>
@@ -1862,7 +1863,7 @@
             <a:fld id="{530820CF-B880-4189-942D-D702A7CBA730}" type="datetimeFigureOut">
               <a:rPr lang="zh-CN" altLang="en-US" smtClean="0"/>
               <a:pPr/>
-              <a:t>2020/7/22</a:t>
+              <a:t>2020/7/27</a:t>
             </a:fld>
             <a:endParaRPr lang="zh-CN" altLang="en-US"/>
           </a:p>
@@ -1954,7 +1955,7 @@
             <a:fld id="{530820CF-B880-4189-942D-D702A7CBA730}" type="datetimeFigureOut">
               <a:rPr lang="zh-CN" altLang="en-US" smtClean="0"/>
               <a:pPr/>
-              <a:t>2020/7/22</a:t>
+              <a:t>2020/7/27</a:t>
             </a:fld>
             <a:endParaRPr lang="zh-CN" altLang="en-US"/>
           </a:p>
@@ -2228,7 +2229,7 @@
             <a:fld id="{530820CF-B880-4189-942D-D702A7CBA730}" type="datetimeFigureOut">
               <a:rPr lang="zh-CN" altLang="en-US" smtClean="0"/>
               <a:pPr/>
-              <a:t>2020/7/22</a:t>
+              <a:t>2020/7/27</a:t>
             </a:fld>
             <a:endParaRPr lang="zh-CN" altLang="en-US"/>
           </a:p>
@@ -2478,7 +2479,7 @@
             <a:fld id="{530820CF-B880-4189-942D-D702A7CBA730}" type="datetimeFigureOut">
               <a:rPr lang="zh-CN" altLang="en-US" smtClean="0"/>
               <a:pPr/>
-              <a:t>2020/7/22</a:t>
+              <a:t>2020/7/27</a:t>
             </a:fld>
             <a:endParaRPr lang="zh-CN" altLang="en-US"/>
           </a:p>
@@ -2688,7 +2689,7 @@
             <a:fld id="{530820CF-B880-4189-942D-D702A7CBA730}" type="datetimeFigureOut">
               <a:rPr lang="zh-CN" altLang="en-US" smtClean="0"/>
               <a:pPr/>
-              <a:t>2020/7/22</a:t>
+              <a:t>2020/7/27</a:t>
             </a:fld>
             <a:endParaRPr lang="zh-CN" altLang="en-US"/>
           </a:p>
@@ -3293,6 +3294,651 @@
             <a:r>
               <a:rPr lang="zh-CN" altLang="en-US" dirty="0" smtClean="0"/>
               <a:t>数目</a:t>
+            </a:r>
+            <a:endParaRPr lang="zh-CN" altLang="en-US" dirty="0"/>
+          </a:p>
+        </p:txBody>
+      </p:sp>
+    </p:spTree>
+  </p:cSld>
+  <p:clrMapOvr>
+    <a:masterClrMapping/>
+  </p:clrMapOvr>
+</p:sld>
+</file>
+
+<file path=ppt/slides/slide2.xml><?xml version="1.0" encoding="utf-8"?>
+<p:sld xmlns:a="http://schemas.openxmlformats.org/drawingml/2006/main" xmlns:r="http://schemas.openxmlformats.org/officeDocument/2006/relationships" xmlns:p="http://schemas.openxmlformats.org/presentationml/2006/main">
+  <p:cSld>
+    <p:spTree>
+      <p:nvGrpSpPr>
+        <p:cNvPr id="1" name=""/>
+        <p:cNvGrpSpPr/>
+        <p:nvPr/>
+      </p:nvGrpSpPr>
+      <p:grpSpPr>
+        <a:xfrm>
+          <a:off x="0" y="0"/>
+          <a:ext cx="0" cy="0"/>
+          <a:chOff x="0" y="0"/>
+          <a:chExt cx="0" cy="0"/>
+        </a:xfrm>
+      </p:grpSpPr>
+      <p:sp>
+        <p:nvSpPr>
+          <p:cNvPr id="9" name="TextBox 8"/>
+          <p:cNvSpPr txBox="1"/>
+          <p:nvPr/>
+        </p:nvSpPr>
+        <p:spPr>
+          <a:xfrm>
+            <a:off x="0" y="0"/>
+            <a:ext cx="642910" cy="369332"/>
+          </a:xfrm>
+          <a:prstGeom prst="rect">
+            <a:avLst/>
+          </a:prstGeom>
+          <a:noFill/>
+          <a:ln w="38100">
+            <a:solidFill>
+              <a:srgbClr val="FF0000"/>
+            </a:solidFill>
+          </a:ln>
+        </p:spPr>
+        <p:txBody>
+          <a:bodyPr wrap="square" rtlCol="0">
+            <a:spAutoFit/>
+          </a:bodyPr>
+          <a:lstStyle/>
+          <a:p>
+            <a:r>
+              <a:rPr lang="zh-CN" altLang="en-US" dirty="0" smtClean="0"/>
+              <a:t>遍历</a:t>
+            </a:r>
+            <a:endParaRPr lang="zh-CN" altLang="en-US" dirty="0"/>
+          </a:p>
+        </p:txBody>
+      </p:sp>
+      <p:sp>
+        <p:nvSpPr>
+          <p:cNvPr id="10" name="圆角矩形 9"/>
+          <p:cNvSpPr/>
+          <p:nvPr/>
+        </p:nvSpPr>
+        <p:spPr>
+          <a:xfrm>
+            <a:off x="3214678" y="2643182"/>
+            <a:ext cx="1428760" cy="357190"/>
+          </a:xfrm>
+          <a:prstGeom prst="roundRect">
+            <a:avLst/>
+          </a:prstGeom>
+        </p:spPr>
+        <p:style>
+          <a:lnRef idx="2">
+            <a:schemeClr val="accent6">
+              <a:shade val="50000"/>
+            </a:schemeClr>
+          </a:lnRef>
+          <a:fillRef idx="1">
+            <a:schemeClr val="accent6"/>
+          </a:fillRef>
+          <a:effectRef idx="0">
+            <a:schemeClr val="accent6"/>
+          </a:effectRef>
+          <a:fontRef idx="minor">
+            <a:schemeClr val="lt1"/>
+          </a:fontRef>
+        </p:style>
+        <p:txBody>
+          <a:bodyPr rtlCol="0" anchor="ctr"/>
+          <a:lstStyle/>
+          <a:p>
+            <a:pPr algn="ctr"/>
+            <a:endParaRPr lang="zh-CN" altLang="en-US"/>
+          </a:p>
+        </p:txBody>
+      </p:sp>
+      <p:sp>
+        <p:nvSpPr>
+          <p:cNvPr id="12" name="圆角矩形 11"/>
+          <p:cNvSpPr/>
+          <p:nvPr/>
+        </p:nvSpPr>
+        <p:spPr>
+          <a:xfrm>
+            <a:off x="5000628" y="2643182"/>
+            <a:ext cx="1428760" cy="357190"/>
+          </a:xfrm>
+          <a:prstGeom prst="roundRect">
+            <a:avLst/>
+          </a:prstGeom>
+        </p:spPr>
+        <p:style>
+          <a:lnRef idx="2">
+            <a:schemeClr val="accent3">
+              <a:shade val="50000"/>
+            </a:schemeClr>
+          </a:lnRef>
+          <a:fillRef idx="1">
+            <a:schemeClr val="accent3"/>
+          </a:fillRef>
+          <a:effectRef idx="0">
+            <a:schemeClr val="accent3"/>
+          </a:effectRef>
+          <a:fontRef idx="minor">
+            <a:schemeClr val="lt1"/>
+          </a:fontRef>
+        </p:style>
+        <p:txBody>
+          <a:bodyPr rtlCol="0" anchor="ctr"/>
+          <a:lstStyle/>
+          <a:p>
+            <a:pPr algn="ctr"/>
+            <a:endParaRPr lang="zh-CN" altLang="en-US"/>
+          </a:p>
+        </p:txBody>
+      </p:sp>
+      <p:sp>
+        <p:nvSpPr>
+          <p:cNvPr id="11" name="圆角矩形 10"/>
+          <p:cNvSpPr/>
+          <p:nvPr/>
+        </p:nvSpPr>
+        <p:spPr>
+          <a:xfrm>
+            <a:off x="4643438" y="2643182"/>
+            <a:ext cx="357190" cy="357190"/>
+          </a:xfrm>
+          <a:prstGeom prst="roundRect">
+            <a:avLst/>
+          </a:prstGeom>
+        </p:spPr>
+        <p:style>
+          <a:lnRef idx="2">
+            <a:schemeClr val="accent4">
+              <a:shade val="50000"/>
+            </a:schemeClr>
+          </a:lnRef>
+          <a:fillRef idx="1">
+            <a:schemeClr val="accent4"/>
+          </a:fillRef>
+          <a:effectRef idx="0">
+            <a:schemeClr val="accent4"/>
+          </a:effectRef>
+          <a:fontRef idx="minor">
+            <a:schemeClr val="lt1"/>
+          </a:fontRef>
+        </p:style>
+        <p:txBody>
+          <a:bodyPr rtlCol="0" anchor="ctr"/>
+          <a:lstStyle/>
+          <a:p>
+            <a:pPr algn="ctr"/>
+            <a:endParaRPr lang="zh-CN" altLang="en-US"/>
+          </a:p>
+        </p:txBody>
+      </p:sp>
+      <p:sp>
+        <p:nvSpPr>
+          <p:cNvPr id="13" name="TextBox 12"/>
+          <p:cNvSpPr txBox="1"/>
+          <p:nvPr/>
+        </p:nvSpPr>
+        <p:spPr>
+          <a:xfrm>
+            <a:off x="2052984" y="2657427"/>
+            <a:ext cx="928694" cy="307777"/>
+          </a:xfrm>
+          <a:prstGeom prst="rect">
+            <a:avLst/>
+          </a:prstGeom>
+          <a:noFill/>
+          <a:ln w="38100">
+            <a:solidFill>
+              <a:schemeClr val="tx1"/>
+            </a:solidFill>
+          </a:ln>
+        </p:spPr>
+        <p:txBody>
+          <a:bodyPr wrap="square" rtlCol="0">
+            <a:spAutoFit/>
+          </a:bodyPr>
+          <a:lstStyle/>
+          <a:p>
+            <a:r>
+              <a:rPr lang="zh-CN" altLang="en-US" sz="1400" dirty="0" smtClean="0"/>
+              <a:t>先序遍历</a:t>
+            </a:r>
+            <a:endParaRPr lang="zh-CN" altLang="en-US" sz="1400" dirty="0"/>
+          </a:p>
+        </p:txBody>
+      </p:sp>
+      <p:sp>
+        <p:nvSpPr>
+          <p:cNvPr id="14" name="圆角矩形 13"/>
+          <p:cNvSpPr/>
+          <p:nvPr/>
+        </p:nvSpPr>
+        <p:spPr>
+          <a:xfrm>
+            <a:off x="3571868" y="3500438"/>
+            <a:ext cx="1428760" cy="357190"/>
+          </a:xfrm>
+          <a:prstGeom prst="roundRect">
+            <a:avLst/>
+          </a:prstGeom>
+        </p:spPr>
+        <p:style>
+          <a:lnRef idx="2">
+            <a:schemeClr val="accent6">
+              <a:shade val="50000"/>
+            </a:schemeClr>
+          </a:lnRef>
+          <a:fillRef idx="1">
+            <a:schemeClr val="accent6"/>
+          </a:fillRef>
+          <a:effectRef idx="0">
+            <a:schemeClr val="accent6"/>
+          </a:effectRef>
+          <a:fontRef idx="minor">
+            <a:schemeClr val="lt1"/>
+          </a:fontRef>
+        </p:style>
+        <p:txBody>
+          <a:bodyPr rtlCol="0" anchor="ctr"/>
+          <a:lstStyle/>
+          <a:p>
+            <a:pPr algn="ctr"/>
+            <a:endParaRPr lang="zh-CN" altLang="en-US"/>
+          </a:p>
+        </p:txBody>
+      </p:sp>
+      <p:sp>
+        <p:nvSpPr>
+          <p:cNvPr id="15" name="圆角矩形 14"/>
+          <p:cNvSpPr/>
+          <p:nvPr/>
+        </p:nvSpPr>
+        <p:spPr>
+          <a:xfrm>
+            <a:off x="5000628" y="3500438"/>
+            <a:ext cx="1428760" cy="357190"/>
+          </a:xfrm>
+          <a:prstGeom prst="roundRect">
+            <a:avLst/>
+          </a:prstGeom>
+        </p:spPr>
+        <p:style>
+          <a:lnRef idx="2">
+            <a:schemeClr val="accent3">
+              <a:shade val="50000"/>
+            </a:schemeClr>
+          </a:lnRef>
+          <a:fillRef idx="1">
+            <a:schemeClr val="accent3"/>
+          </a:fillRef>
+          <a:effectRef idx="0">
+            <a:schemeClr val="accent3"/>
+          </a:effectRef>
+          <a:fontRef idx="minor">
+            <a:schemeClr val="lt1"/>
+          </a:fontRef>
+        </p:style>
+        <p:txBody>
+          <a:bodyPr rtlCol="0" anchor="ctr"/>
+          <a:lstStyle/>
+          <a:p>
+            <a:pPr algn="ctr"/>
+            <a:endParaRPr lang="zh-CN" altLang="en-US"/>
+          </a:p>
+        </p:txBody>
+      </p:sp>
+      <p:sp>
+        <p:nvSpPr>
+          <p:cNvPr id="16" name="圆角矩形 15"/>
+          <p:cNvSpPr/>
+          <p:nvPr/>
+        </p:nvSpPr>
+        <p:spPr>
+          <a:xfrm>
+            <a:off x="3214678" y="3500438"/>
+            <a:ext cx="357190" cy="357190"/>
+          </a:xfrm>
+          <a:prstGeom prst="roundRect">
+            <a:avLst/>
+          </a:prstGeom>
+        </p:spPr>
+        <p:style>
+          <a:lnRef idx="2">
+            <a:schemeClr val="accent4">
+              <a:shade val="50000"/>
+            </a:schemeClr>
+          </a:lnRef>
+          <a:fillRef idx="1">
+            <a:schemeClr val="accent4"/>
+          </a:fillRef>
+          <a:effectRef idx="0">
+            <a:schemeClr val="accent4"/>
+          </a:effectRef>
+          <a:fontRef idx="minor">
+            <a:schemeClr val="lt1"/>
+          </a:fontRef>
+        </p:style>
+        <p:txBody>
+          <a:bodyPr rtlCol="0" anchor="ctr"/>
+          <a:lstStyle/>
+          <a:p>
+            <a:pPr algn="ctr"/>
+            <a:endParaRPr lang="zh-CN" altLang="en-US"/>
+          </a:p>
+        </p:txBody>
+      </p:sp>
+      <p:sp>
+        <p:nvSpPr>
+          <p:cNvPr id="17" name="TextBox 16"/>
+          <p:cNvSpPr txBox="1"/>
+          <p:nvPr/>
+        </p:nvSpPr>
+        <p:spPr>
+          <a:xfrm>
+            <a:off x="2052984" y="3514683"/>
+            <a:ext cx="928694" cy="307777"/>
+          </a:xfrm>
+          <a:prstGeom prst="rect">
+            <a:avLst/>
+          </a:prstGeom>
+          <a:noFill/>
+          <a:ln w="38100">
+            <a:solidFill>
+              <a:schemeClr val="tx1"/>
+            </a:solidFill>
+          </a:ln>
+        </p:spPr>
+        <p:txBody>
+          <a:bodyPr wrap="square" rtlCol="0">
+            <a:spAutoFit/>
+          </a:bodyPr>
+          <a:lstStyle/>
+          <a:p>
+            <a:r>
+              <a:rPr lang="zh-CN" altLang="en-US" sz="1400" dirty="0" smtClean="0"/>
+              <a:t>先序遍历</a:t>
+            </a:r>
+            <a:endParaRPr lang="zh-CN" altLang="en-US" sz="1400" dirty="0"/>
+          </a:p>
+        </p:txBody>
+      </p:sp>
+      <p:sp>
+        <p:nvSpPr>
+          <p:cNvPr id="18" name="圆角矩形 17"/>
+          <p:cNvSpPr/>
+          <p:nvPr/>
+        </p:nvSpPr>
+        <p:spPr>
+          <a:xfrm>
+            <a:off x="3214678" y="4429132"/>
+            <a:ext cx="1428760" cy="357190"/>
+          </a:xfrm>
+          <a:prstGeom prst="roundRect">
+            <a:avLst/>
+          </a:prstGeom>
+        </p:spPr>
+        <p:style>
+          <a:lnRef idx="2">
+            <a:schemeClr val="accent6">
+              <a:shade val="50000"/>
+            </a:schemeClr>
+          </a:lnRef>
+          <a:fillRef idx="1">
+            <a:schemeClr val="accent6"/>
+          </a:fillRef>
+          <a:effectRef idx="0">
+            <a:schemeClr val="accent6"/>
+          </a:effectRef>
+          <a:fontRef idx="minor">
+            <a:schemeClr val="lt1"/>
+          </a:fontRef>
+        </p:style>
+        <p:txBody>
+          <a:bodyPr rtlCol="0" anchor="ctr"/>
+          <a:lstStyle/>
+          <a:p>
+            <a:pPr algn="ctr"/>
+            <a:endParaRPr lang="zh-CN" altLang="en-US"/>
+          </a:p>
+        </p:txBody>
+      </p:sp>
+      <p:sp>
+        <p:nvSpPr>
+          <p:cNvPr id="19" name="圆角矩形 18"/>
+          <p:cNvSpPr/>
+          <p:nvPr/>
+        </p:nvSpPr>
+        <p:spPr>
+          <a:xfrm>
+            <a:off x="4643438" y="4429132"/>
+            <a:ext cx="1428760" cy="357190"/>
+          </a:xfrm>
+          <a:prstGeom prst="roundRect">
+            <a:avLst/>
+          </a:prstGeom>
+        </p:spPr>
+        <p:style>
+          <a:lnRef idx="2">
+            <a:schemeClr val="accent3">
+              <a:shade val="50000"/>
+            </a:schemeClr>
+          </a:lnRef>
+          <a:fillRef idx="1">
+            <a:schemeClr val="accent3"/>
+          </a:fillRef>
+          <a:effectRef idx="0">
+            <a:schemeClr val="accent3"/>
+          </a:effectRef>
+          <a:fontRef idx="minor">
+            <a:schemeClr val="lt1"/>
+          </a:fontRef>
+        </p:style>
+        <p:txBody>
+          <a:bodyPr rtlCol="0" anchor="ctr"/>
+          <a:lstStyle/>
+          <a:p>
+            <a:pPr algn="ctr"/>
+            <a:endParaRPr lang="zh-CN" altLang="en-US"/>
+          </a:p>
+        </p:txBody>
+      </p:sp>
+      <p:sp>
+        <p:nvSpPr>
+          <p:cNvPr id="20" name="圆角矩形 19"/>
+          <p:cNvSpPr/>
+          <p:nvPr/>
+        </p:nvSpPr>
+        <p:spPr>
+          <a:xfrm>
+            <a:off x="6072198" y="4429132"/>
+            <a:ext cx="357190" cy="357190"/>
+          </a:xfrm>
+          <a:prstGeom prst="roundRect">
+            <a:avLst/>
+          </a:prstGeom>
+        </p:spPr>
+        <p:style>
+          <a:lnRef idx="2">
+            <a:schemeClr val="accent4">
+              <a:shade val="50000"/>
+            </a:schemeClr>
+          </a:lnRef>
+          <a:fillRef idx="1">
+            <a:schemeClr val="accent4"/>
+          </a:fillRef>
+          <a:effectRef idx="0">
+            <a:schemeClr val="accent4"/>
+          </a:effectRef>
+          <a:fontRef idx="minor">
+            <a:schemeClr val="lt1"/>
+          </a:fontRef>
+        </p:style>
+        <p:txBody>
+          <a:bodyPr rtlCol="0" anchor="ctr"/>
+          <a:lstStyle/>
+          <a:p>
+            <a:pPr algn="ctr"/>
+            <a:endParaRPr lang="zh-CN" altLang="en-US"/>
+          </a:p>
+        </p:txBody>
+      </p:sp>
+      <p:sp>
+        <p:nvSpPr>
+          <p:cNvPr id="21" name="TextBox 20"/>
+          <p:cNvSpPr txBox="1"/>
+          <p:nvPr/>
+        </p:nvSpPr>
+        <p:spPr>
+          <a:xfrm>
+            <a:off x="2052984" y="4443377"/>
+            <a:ext cx="928694" cy="307777"/>
+          </a:xfrm>
+          <a:prstGeom prst="rect">
+            <a:avLst/>
+          </a:prstGeom>
+          <a:noFill/>
+          <a:ln w="38100">
+            <a:solidFill>
+              <a:schemeClr val="tx1"/>
+            </a:solidFill>
+          </a:ln>
+        </p:spPr>
+        <p:txBody>
+          <a:bodyPr wrap="square" rtlCol="0">
+            <a:spAutoFit/>
+          </a:bodyPr>
+          <a:lstStyle/>
+          <a:p>
+            <a:r>
+              <a:rPr lang="zh-CN" altLang="en-US" sz="1400" dirty="0" smtClean="0"/>
+              <a:t>先序遍历</a:t>
+            </a:r>
+            <a:endParaRPr lang="zh-CN" altLang="en-US" sz="1400" dirty="0"/>
+          </a:p>
+        </p:txBody>
+      </p:sp>
+      <p:sp>
+        <p:nvSpPr>
+          <p:cNvPr id="22" name="TextBox 21"/>
+          <p:cNvSpPr txBox="1"/>
+          <p:nvPr/>
+        </p:nvSpPr>
+        <p:spPr>
+          <a:xfrm>
+            <a:off x="3214678" y="2214554"/>
+            <a:ext cx="3214710" cy="369332"/>
+          </a:xfrm>
+          <a:prstGeom prst="rect">
+            <a:avLst/>
+          </a:prstGeom>
+          <a:noFill/>
+        </p:spPr>
+        <p:txBody>
+          <a:bodyPr wrap="square" rtlCol="0">
+            <a:spAutoFit/>
+          </a:bodyPr>
+          <a:lstStyle/>
+          <a:p>
+            <a:r>
+              <a:rPr lang="zh-CN" altLang="en-US" dirty="0" smtClean="0"/>
+              <a:t>           左           根           右</a:t>
+            </a:r>
+            <a:endParaRPr lang="zh-CN" altLang="en-US" dirty="0"/>
+          </a:p>
+        </p:txBody>
+      </p:sp>
+      <p:sp>
+        <p:nvSpPr>
+          <p:cNvPr id="23" name="TextBox 22"/>
+          <p:cNvSpPr txBox="1"/>
+          <p:nvPr/>
+        </p:nvSpPr>
+        <p:spPr>
+          <a:xfrm>
+            <a:off x="3214678" y="3071810"/>
+            <a:ext cx="3214710" cy="369332"/>
+          </a:xfrm>
+          <a:prstGeom prst="rect">
+            <a:avLst/>
+          </a:prstGeom>
+          <a:noFill/>
+        </p:spPr>
+        <p:txBody>
+          <a:bodyPr wrap="square" rtlCol="0">
+            <a:spAutoFit/>
+          </a:bodyPr>
+          <a:lstStyle/>
+          <a:p>
+            <a:r>
+              <a:rPr lang="zh-CN" altLang="en-US" dirty="0" smtClean="0"/>
+              <a:t>根           左                      右</a:t>
+            </a:r>
+            <a:endParaRPr lang="zh-CN" altLang="en-US" dirty="0"/>
+          </a:p>
+        </p:txBody>
+      </p:sp>
+      <p:sp>
+        <p:nvSpPr>
+          <p:cNvPr id="24" name="TextBox 23"/>
+          <p:cNvSpPr txBox="1"/>
+          <p:nvPr/>
+        </p:nvSpPr>
+        <p:spPr>
+          <a:xfrm>
+            <a:off x="3214678" y="4000504"/>
+            <a:ext cx="3357586" cy="369332"/>
+          </a:xfrm>
+          <a:prstGeom prst="rect">
+            <a:avLst/>
+          </a:prstGeom>
+          <a:noFill/>
+        </p:spPr>
+        <p:txBody>
+          <a:bodyPr wrap="square" rtlCol="0">
+            <a:spAutoFit/>
+          </a:bodyPr>
+          <a:lstStyle/>
+          <a:p>
+            <a:r>
+              <a:rPr lang="zh-CN" altLang="en-US" dirty="0" smtClean="0"/>
+              <a:t>         左                      右              根</a:t>
+            </a:r>
+            <a:endParaRPr lang="zh-CN" altLang="en-US" dirty="0"/>
+          </a:p>
+        </p:txBody>
+      </p:sp>
+      <p:sp>
+        <p:nvSpPr>
+          <p:cNvPr id="25" name="TextBox 24"/>
+          <p:cNvSpPr txBox="1"/>
+          <p:nvPr/>
+        </p:nvSpPr>
+        <p:spPr>
+          <a:xfrm>
+            <a:off x="1928794" y="1500174"/>
+            <a:ext cx="2492990" cy="369332"/>
+          </a:xfrm>
+          <a:prstGeom prst="rect">
+            <a:avLst/>
+          </a:prstGeom>
+          <a:noFill/>
+        </p:spPr>
+        <p:txBody>
+          <a:bodyPr wrap="none" rtlCol="0">
+            <a:spAutoFit/>
+          </a:bodyPr>
+          <a:lstStyle/>
+          <a:p>
+            <a:r>
+              <a:rPr lang="zh-CN" altLang="en-US" dirty="0" smtClean="0"/>
+              <a:t>给出任意两个来构造树</a:t>
             </a:r>
             <a:endParaRPr lang="zh-CN" altLang="en-US" dirty="0"/>
           </a:p>
